--- a/presentation.pptx
+++ b/presentation.pptx
@@ -204,7 +204,7 @@
           <a:p>
             <a:fld id="{283C7FC7-DFBA-4CCB-924A-88FBCFBF37EC}" type="datetimeFigureOut">
               <a:rPr lang="en-US" smtClean="0"/>
-              <a:t>7/20/2021</a:t>
+              <a:t>7/21/2021</a:t>
             </a:fld>
             <a:endParaRPr lang="en-US"/>
           </a:p>
@@ -1300,7 +1300,7 @@
           <a:p>
             <a:fld id="{AA867B02-A04D-4072-AFC1-572939EA8FEC}" type="datetimeFigureOut">
               <a:rPr lang="en-US" smtClean="0"/>
-              <a:t>7/20/2021</a:t>
+              <a:t>7/21/2021</a:t>
             </a:fld>
             <a:endParaRPr lang="en-US"/>
           </a:p>
@@ -1551,7 +1551,7 @@
           <a:p>
             <a:fld id="{AA867B02-A04D-4072-AFC1-572939EA8FEC}" type="datetimeFigureOut">
               <a:rPr lang="en-US" smtClean="0"/>
-              <a:t>7/20/2021</a:t>
+              <a:t>7/21/2021</a:t>
             </a:fld>
             <a:endParaRPr lang="en-US"/>
           </a:p>
@@ -1865,7 +1865,7 @@
           <a:p>
             <a:fld id="{AA867B02-A04D-4072-AFC1-572939EA8FEC}" type="datetimeFigureOut">
               <a:rPr lang="en-US" smtClean="0"/>
-              <a:t>7/20/2021</a:t>
+              <a:t>7/21/2021</a:t>
             </a:fld>
             <a:endParaRPr lang="en-US"/>
           </a:p>
@@ -2198,7 +2198,7 @@
           <a:p>
             <a:fld id="{AA867B02-A04D-4072-AFC1-572939EA8FEC}" type="datetimeFigureOut">
               <a:rPr lang="en-US" smtClean="0"/>
-              <a:t>7/20/2021</a:t>
+              <a:t>7/21/2021</a:t>
             </a:fld>
             <a:endParaRPr lang="en-US"/>
           </a:p>
@@ -2512,7 +2512,7 @@
           <a:p>
             <a:fld id="{AA867B02-A04D-4072-AFC1-572939EA8FEC}" type="datetimeFigureOut">
               <a:rPr lang="en-US" smtClean="0"/>
-              <a:t>7/20/2021</a:t>
+              <a:t>7/21/2021</a:t>
             </a:fld>
             <a:endParaRPr lang="en-US"/>
           </a:p>
@@ -2905,7 +2905,7 @@
           <a:p>
             <a:fld id="{AA867B02-A04D-4072-AFC1-572939EA8FEC}" type="datetimeFigureOut">
               <a:rPr lang="en-US" smtClean="0"/>
-              <a:t>7/20/2021</a:t>
+              <a:t>7/21/2021</a:t>
             </a:fld>
             <a:endParaRPr lang="en-US"/>
           </a:p>
@@ -3075,7 +3075,7 @@
           <a:p>
             <a:fld id="{AA867B02-A04D-4072-AFC1-572939EA8FEC}" type="datetimeFigureOut">
               <a:rPr lang="en-US" smtClean="0"/>
-              <a:t>7/20/2021</a:t>
+              <a:t>7/21/2021</a:t>
             </a:fld>
             <a:endParaRPr lang="en-US"/>
           </a:p>
@@ -3255,7 +3255,7 @@
           <a:p>
             <a:fld id="{AA867B02-A04D-4072-AFC1-572939EA8FEC}" type="datetimeFigureOut">
               <a:rPr lang="en-US" smtClean="0"/>
-              <a:t>7/20/2021</a:t>
+              <a:t>7/21/2021</a:t>
             </a:fld>
             <a:endParaRPr lang="en-US"/>
           </a:p>
@@ -3425,7 +3425,7 @@
           <a:p>
             <a:fld id="{AA867B02-A04D-4072-AFC1-572939EA8FEC}" type="datetimeFigureOut">
               <a:rPr lang="en-US" smtClean="0"/>
-              <a:t>7/20/2021</a:t>
+              <a:t>7/21/2021</a:t>
             </a:fld>
             <a:endParaRPr lang="en-US"/>
           </a:p>
@@ -3672,7 +3672,7 @@
           <a:p>
             <a:fld id="{AA867B02-A04D-4072-AFC1-572939EA8FEC}" type="datetimeFigureOut">
               <a:rPr lang="en-US" smtClean="0"/>
-              <a:t>7/20/2021</a:t>
+              <a:t>7/21/2021</a:t>
             </a:fld>
             <a:endParaRPr lang="en-US"/>
           </a:p>
@@ -3904,7 +3904,7 @@
           <a:p>
             <a:fld id="{AA867B02-A04D-4072-AFC1-572939EA8FEC}" type="datetimeFigureOut">
               <a:rPr lang="en-US" smtClean="0"/>
-              <a:t>7/20/2021</a:t>
+              <a:t>7/21/2021</a:t>
             </a:fld>
             <a:endParaRPr lang="en-US"/>
           </a:p>
@@ -4278,7 +4278,7 @@
           <a:p>
             <a:fld id="{AA867B02-A04D-4072-AFC1-572939EA8FEC}" type="datetimeFigureOut">
               <a:rPr lang="en-US" smtClean="0"/>
-              <a:t>7/20/2021</a:t>
+              <a:t>7/21/2021</a:t>
             </a:fld>
             <a:endParaRPr lang="en-US"/>
           </a:p>
@@ -4401,7 +4401,7 @@
           <a:p>
             <a:fld id="{AA867B02-A04D-4072-AFC1-572939EA8FEC}" type="datetimeFigureOut">
               <a:rPr lang="en-US" smtClean="0"/>
-              <a:t>7/20/2021</a:t>
+              <a:t>7/21/2021</a:t>
             </a:fld>
             <a:endParaRPr lang="en-US"/>
           </a:p>
@@ -4496,7 +4496,7 @@
           <a:p>
             <a:fld id="{AA867B02-A04D-4072-AFC1-572939EA8FEC}" type="datetimeFigureOut">
               <a:rPr lang="en-US" smtClean="0"/>
-              <a:t>7/20/2021</a:t>
+              <a:t>7/21/2021</a:t>
             </a:fld>
             <a:endParaRPr lang="en-US"/>
           </a:p>
@@ -4751,7 +4751,7 @@
           <a:p>
             <a:fld id="{AA867B02-A04D-4072-AFC1-572939EA8FEC}" type="datetimeFigureOut">
               <a:rPr lang="en-US" smtClean="0"/>
-              <a:t>7/20/2021</a:t>
+              <a:t>7/21/2021</a:t>
             </a:fld>
             <a:endParaRPr lang="en-US"/>
           </a:p>
@@ -5056,7 +5056,7 @@
           <a:p>
             <a:fld id="{AA867B02-A04D-4072-AFC1-572939EA8FEC}" type="datetimeFigureOut">
               <a:rPr lang="en-US" smtClean="0"/>
-              <a:t>7/20/2021</a:t>
+              <a:t>7/21/2021</a:t>
             </a:fld>
             <a:endParaRPr lang="en-US"/>
           </a:p>
@@ -5758,7 +5758,7 @@
           <a:p>
             <a:fld id="{AA867B02-A04D-4072-AFC1-572939EA8FEC}" type="datetimeFigureOut">
               <a:rPr lang="en-US" smtClean="0"/>
-              <a:t>7/20/2021</a:t>
+              <a:t>7/21/2021</a:t>
             </a:fld>
             <a:endParaRPr lang="en-US"/>
           </a:p>
@@ -6467,10 +6467,10 @@
       </p:sp>
       <p:pic>
         <p:nvPicPr>
-          <p:cNvPr id="4" name="Picture 3">
+          <p:cNvPr id="8" name="Picture 7">
             <a:extLst>
               <a:ext uri="{FF2B5EF4-FFF2-40B4-BE49-F238E27FC236}">
-                <a16:creationId xmlns:a16="http://schemas.microsoft.com/office/drawing/2014/main" id="{2309EAD9-16F7-4362-9826-9717F7CC8332}"/>
+                <a16:creationId xmlns:a16="http://schemas.microsoft.com/office/drawing/2014/main" id="{32087BC2-01C1-4FDF-B900-778CB13C7D24}"/>
               </a:ext>
             </a:extLst>
           </p:cNvPr>
@@ -6487,8 +6487,8 @@
         </p:blipFill>
         <p:spPr>
           <a:xfrm>
-            <a:off x="5292552" y="1828800"/>
-            <a:ext cx="3981450" cy="1600200"/>
+            <a:off x="4975668" y="1270000"/>
+            <a:ext cx="3733800" cy="3095625"/>
           </a:xfrm>
           <a:prstGeom prst="rect">
             <a:avLst/>
@@ -6525,6 +6525,36 @@
           <a:chExt cx="0" cy="0"/>
         </a:xfrm>
       </p:grpSpPr>
+      <p:pic>
+        <p:nvPicPr>
+          <p:cNvPr id="7" name="Picture 6">
+            <a:extLst>
+              <a:ext uri="{FF2B5EF4-FFF2-40B4-BE49-F238E27FC236}">
+                <a16:creationId xmlns:a16="http://schemas.microsoft.com/office/drawing/2014/main" id="{A13187C5-800C-4502-A1A5-A962C984AAF6}"/>
+              </a:ext>
+            </a:extLst>
+          </p:cNvPr>
+          <p:cNvPicPr>
+            <a:picLocks noChangeAspect="1"/>
+          </p:cNvPicPr>
+          <p:nvPr/>
+        </p:nvPicPr>
+        <p:blipFill>
+          <a:blip r:embed="rId2"/>
+          <a:stretch>
+            <a:fillRect/>
+          </a:stretch>
+        </p:blipFill>
+        <p:spPr>
+          <a:xfrm>
+            <a:off x="5351905" y="1270000"/>
+            <a:ext cx="3228975" cy="3295650"/>
+          </a:xfrm>
+          <a:prstGeom prst="rect">
+            <a:avLst/>
+          </a:prstGeom>
+        </p:spPr>
+      </p:pic>
       <p:sp>
         <p:nvSpPr>
           <p:cNvPr id="2" name="Title 1">
@@ -6571,7 +6601,7 @@
         </p:nvSpPr>
         <p:spPr>
           <a:xfrm>
-            <a:off x="677334" y="2367627"/>
+            <a:off x="677334" y="2785638"/>
             <a:ext cx="3443729" cy="3880773"/>
           </a:xfrm>
         </p:spPr>
@@ -6982,6 +7012,36 @@
           </a:p>
         </p:txBody>
       </p:sp>
+      <p:pic>
+        <p:nvPicPr>
+          <p:cNvPr id="5" name="Picture 4">
+            <a:extLst>
+              <a:ext uri="{FF2B5EF4-FFF2-40B4-BE49-F238E27FC236}">
+                <a16:creationId xmlns:a16="http://schemas.microsoft.com/office/drawing/2014/main" id="{0A4FC9FF-9136-4B8A-8133-F0BADDB0613A}"/>
+              </a:ext>
+            </a:extLst>
+          </p:cNvPr>
+          <p:cNvPicPr>
+            <a:picLocks noChangeAspect="1"/>
+          </p:cNvPicPr>
+          <p:nvPr/>
+        </p:nvPicPr>
+        <p:blipFill>
+          <a:blip r:embed="rId3"/>
+          <a:stretch>
+            <a:fillRect/>
+          </a:stretch>
+        </p:blipFill>
+        <p:spPr>
+          <a:xfrm>
+            <a:off x="677334" y="1270000"/>
+            <a:ext cx="3981450" cy="1600200"/>
+          </a:xfrm>
+          <a:prstGeom prst="rect">
+            <a:avLst/>
+          </a:prstGeom>
+        </p:spPr>
+      </p:pic>
     </p:spTree>
     <p:extLst>
       <p:ext uri="{BB962C8B-B14F-4D97-AF65-F5344CB8AC3E}">

--- a/presentation.pptx
+++ b/presentation.pptx
@@ -5,7 +5,7 @@
     <p:sldMasterId id="2147483724" r:id="rId1"/>
   </p:sldMasterIdLst>
   <p:notesMasterIdLst>
-    <p:notesMasterId r:id="rId10"/>
+    <p:notesMasterId r:id="rId11"/>
   </p:notesMasterIdLst>
   <p:sldIdLst>
     <p:sldId id="256" r:id="rId2"/>
@@ -16,6 +16,7 @@
     <p:sldId id="261" r:id="rId7"/>
     <p:sldId id="262" r:id="rId8"/>
     <p:sldId id="263" r:id="rId9"/>
+    <p:sldId id="264" r:id="rId10"/>
   </p:sldIdLst>
   <p:sldSz cx="12192000" cy="6858000"/>
   <p:notesSz cx="6858000" cy="9144000"/>
@@ -7641,6 +7642,102 @@
 </p:sld>
 </file>
 
+<file path=ppt/slides/slide9.xml><?xml version="1.0" encoding="utf-8"?>
+<p:sld xmlns:a="http://schemas.openxmlformats.org/drawingml/2006/main" xmlns:r="http://schemas.openxmlformats.org/officeDocument/2006/relationships" xmlns:p="http://schemas.openxmlformats.org/presentationml/2006/main">
+  <p:cSld>
+    <p:spTree>
+      <p:nvGrpSpPr>
+        <p:cNvPr id="1" name=""/>
+        <p:cNvGrpSpPr/>
+        <p:nvPr/>
+      </p:nvGrpSpPr>
+      <p:grpSpPr>
+        <a:xfrm>
+          <a:off x="0" y="0"/>
+          <a:ext cx="0" cy="0"/>
+          <a:chOff x="0" y="0"/>
+          <a:chExt cx="0" cy="0"/>
+        </a:xfrm>
+      </p:grpSpPr>
+      <p:sp>
+        <p:nvSpPr>
+          <p:cNvPr id="2" name="Title 1">
+            <a:extLst>
+              <a:ext uri="{FF2B5EF4-FFF2-40B4-BE49-F238E27FC236}">
+                <a16:creationId xmlns:a16="http://schemas.microsoft.com/office/drawing/2014/main" id="{E061DBB4-E904-4CFF-A4AC-1E730EA4A4FA}"/>
+              </a:ext>
+            </a:extLst>
+          </p:cNvPr>
+          <p:cNvSpPr>
+            <a:spLocks noGrp="1"/>
+          </p:cNvSpPr>
+          <p:nvPr>
+            <p:ph type="ctrTitle"/>
+          </p:nvPr>
+        </p:nvSpPr>
+        <p:spPr>
+          <a:xfrm>
+            <a:off x="-965471" y="2230363"/>
+            <a:ext cx="7766936" cy="1646302"/>
+          </a:xfrm>
+        </p:spPr>
+        <p:txBody>
+          <a:bodyPr/>
+          <a:lstStyle/>
+          <a:p>
+            <a:r>
+              <a:rPr lang="en-US" dirty="0"/>
+              <a:t>DEMO</a:t>
+            </a:r>
+          </a:p>
+        </p:txBody>
+      </p:sp>
+      <p:sp>
+        <p:nvSpPr>
+          <p:cNvPr id="3" name="Subtitle 2">
+            <a:extLst>
+              <a:ext uri="{FF2B5EF4-FFF2-40B4-BE49-F238E27FC236}">
+                <a16:creationId xmlns:a16="http://schemas.microsoft.com/office/drawing/2014/main" id="{26C59EE7-7A82-4729-A334-15E305946386}"/>
+              </a:ext>
+            </a:extLst>
+          </p:cNvPr>
+          <p:cNvSpPr>
+            <a:spLocks noGrp="1"/>
+          </p:cNvSpPr>
+          <p:nvPr>
+            <p:ph type="subTitle" idx="1"/>
+          </p:nvPr>
+        </p:nvSpPr>
+        <p:spPr>
+          <a:xfrm>
+            <a:off x="1028095" y="3876665"/>
+            <a:ext cx="7766936" cy="1096899"/>
+          </a:xfrm>
+        </p:spPr>
+        <p:txBody>
+          <a:bodyPr/>
+          <a:lstStyle/>
+          <a:p>
+            <a:r>
+              <a:rPr lang="en-US" dirty="0"/>
+              <a:t>GitHub Link: https://github.com/bangumi4346/p0</a:t>
+            </a:r>
+          </a:p>
+        </p:txBody>
+      </p:sp>
+    </p:spTree>
+    <p:extLst>
+      <p:ext uri="{BB962C8B-B14F-4D97-AF65-F5344CB8AC3E}">
+        <p14:creationId xmlns:p14="http://schemas.microsoft.com/office/powerpoint/2010/main" val="1876928074"/>
+      </p:ext>
+    </p:extLst>
+  </p:cSld>
+  <p:clrMapOvr>
+    <a:masterClrMapping/>
+  </p:clrMapOvr>
+</p:sld>
+</file>
+
 <file path=ppt/theme/theme1.xml><?xml version="1.0" encoding="utf-8"?>
 <a:theme xmlns:a="http://schemas.openxmlformats.org/drawingml/2006/main" name="Facet">
   <a:themeElements>

--- a/presentation.pptx
+++ b/presentation.pptx
@@ -5,18 +5,20 @@
     <p:sldMasterId id="2147483724" r:id="rId1"/>
   </p:sldMasterIdLst>
   <p:notesMasterIdLst>
-    <p:notesMasterId r:id="rId11"/>
+    <p:notesMasterId r:id="rId13"/>
   </p:notesMasterIdLst>
   <p:sldIdLst>
     <p:sldId id="256" r:id="rId2"/>
     <p:sldId id="257" r:id="rId3"/>
     <p:sldId id="258" r:id="rId4"/>
-    <p:sldId id="259" r:id="rId5"/>
-    <p:sldId id="260" r:id="rId6"/>
-    <p:sldId id="261" r:id="rId7"/>
-    <p:sldId id="262" r:id="rId8"/>
-    <p:sldId id="263" r:id="rId9"/>
-    <p:sldId id="264" r:id="rId10"/>
+    <p:sldId id="264" r:id="rId5"/>
+    <p:sldId id="259" r:id="rId6"/>
+    <p:sldId id="260" r:id="rId7"/>
+    <p:sldId id="265" r:id="rId8"/>
+    <p:sldId id="261" r:id="rId9"/>
+    <p:sldId id="262" r:id="rId10"/>
+    <p:sldId id="263" r:id="rId11"/>
+    <p:sldId id="266" r:id="rId12"/>
   </p:sldIdLst>
   <p:sldSz cx="12192000" cy="6858000"/>
   <p:notesSz cx="6858000" cy="9144000"/>
@@ -537,7 +539,7 @@
           <a:p>
             <a:fld id="{DEA98BA2-89C1-41DB-ACDC-5D8AB0276B91}" type="slidenum">
               <a:rPr lang="en-US" smtClean="0"/>
-              <a:t>7</a:t>
+              <a:t>9</a:t>
             </a:fld>
             <a:endParaRPr lang="en-US"/>
           </a:p>
@@ -6305,6 +6307,13 @@
           <a:lstStyle/>
           <a:p>
             <a:r>
+              <a:rPr lang="en-US" dirty="0"/>
+              <a:t>Project 0 - Scala</a:t>
+            </a:r>
+            <a:br>
+              <a:rPr lang="en-US" dirty="0"/>
+            </a:br>
+            <a:r>
               <a:rPr lang="en-US" dirty="0" err="1"/>
               <a:t>SalesTracker</a:t>
             </a:r>
@@ -6344,6 +6353,219 @@
     <p:extLst>
       <p:ext uri="{BB962C8B-B14F-4D97-AF65-F5344CB8AC3E}">
         <p14:creationId xmlns:p14="http://schemas.microsoft.com/office/powerpoint/2010/main" val="1398474568"/>
+      </p:ext>
+    </p:extLst>
+  </p:cSld>
+  <p:clrMapOvr>
+    <a:masterClrMapping/>
+  </p:clrMapOvr>
+</p:sld>
+</file>
+
+<file path=ppt/slides/slide10.xml><?xml version="1.0" encoding="utf-8"?>
+<p:sld xmlns:a="http://schemas.openxmlformats.org/drawingml/2006/main" xmlns:r="http://schemas.openxmlformats.org/officeDocument/2006/relationships" xmlns:p="http://schemas.openxmlformats.org/presentationml/2006/main">
+  <p:cSld>
+    <p:spTree>
+      <p:nvGrpSpPr>
+        <p:cNvPr id="1" name=""/>
+        <p:cNvGrpSpPr/>
+        <p:nvPr/>
+      </p:nvGrpSpPr>
+      <p:grpSpPr>
+        <a:xfrm>
+          <a:off x="0" y="0"/>
+          <a:ext cx="0" cy="0"/>
+          <a:chOff x="0" y="0"/>
+          <a:chExt cx="0" cy="0"/>
+        </a:xfrm>
+      </p:grpSpPr>
+      <p:sp>
+        <p:nvSpPr>
+          <p:cNvPr id="2" name="Title 1">
+            <a:extLst>
+              <a:ext uri="{FF2B5EF4-FFF2-40B4-BE49-F238E27FC236}">
+                <a16:creationId xmlns:a16="http://schemas.microsoft.com/office/drawing/2014/main" id="{685C9BF2-F1A3-4116-8749-0DE9D9D26CB1}"/>
+              </a:ext>
+            </a:extLst>
+          </p:cNvPr>
+          <p:cNvSpPr>
+            <a:spLocks noGrp="1"/>
+          </p:cNvSpPr>
+          <p:nvPr>
+            <p:ph type="title"/>
+          </p:nvPr>
+        </p:nvSpPr>
+        <p:spPr/>
+        <p:txBody>
+          <a:bodyPr/>
+          <a:lstStyle/>
+          <a:p>
+            <a:r>
+              <a:rPr lang="en-US" dirty="0"/>
+              <a:t>GUI – Buttons </a:t>
+            </a:r>
+            <a:r>
+              <a:rPr lang="en-US" i="1" dirty="0"/>
+              <a:t>cont.</a:t>
+            </a:r>
+          </a:p>
+        </p:txBody>
+      </p:sp>
+      <p:sp>
+        <p:nvSpPr>
+          <p:cNvPr id="7" name="Content Placeholder 6">
+            <a:extLst>
+              <a:ext uri="{FF2B5EF4-FFF2-40B4-BE49-F238E27FC236}">
+                <a16:creationId xmlns:a16="http://schemas.microsoft.com/office/drawing/2014/main" id="{09843A87-E343-49D2-900D-79E860391DC9}"/>
+              </a:ext>
+            </a:extLst>
+          </p:cNvPr>
+          <p:cNvSpPr>
+            <a:spLocks noGrp="1"/>
+          </p:cNvSpPr>
+          <p:nvPr>
+            <p:ph idx="1"/>
+          </p:nvPr>
+        </p:nvSpPr>
+        <p:spPr/>
+        <p:txBody>
+          <a:bodyPr/>
+          <a:lstStyle/>
+          <a:p>
+            <a:endParaRPr lang="en-US"/>
+          </a:p>
+        </p:txBody>
+      </p:sp>
+      <p:pic>
+        <p:nvPicPr>
+          <p:cNvPr id="9" name="Picture 8">
+            <a:extLst>
+              <a:ext uri="{FF2B5EF4-FFF2-40B4-BE49-F238E27FC236}">
+                <a16:creationId xmlns:a16="http://schemas.microsoft.com/office/drawing/2014/main" id="{4D593EB3-5147-41D5-B159-E1592A0B111C}"/>
+              </a:ext>
+            </a:extLst>
+          </p:cNvPr>
+          <p:cNvPicPr>
+            <a:picLocks noChangeAspect="1"/>
+          </p:cNvPicPr>
+          <p:nvPr/>
+        </p:nvPicPr>
+        <p:blipFill>
+          <a:blip r:embed="rId2"/>
+          <a:stretch>
+            <a:fillRect/>
+          </a:stretch>
+        </p:blipFill>
+        <p:spPr>
+          <a:xfrm>
+            <a:off x="677334" y="1737819"/>
+            <a:ext cx="8932966" cy="4510581"/>
+          </a:xfrm>
+          <a:prstGeom prst="rect">
+            <a:avLst/>
+          </a:prstGeom>
+        </p:spPr>
+      </p:pic>
+    </p:spTree>
+    <p:extLst>
+      <p:ext uri="{BB962C8B-B14F-4D97-AF65-F5344CB8AC3E}">
+        <p14:creationId xmlns:p14="http://schemas.microsoft.com/office/powerpoint/2010/main" val="1824051388"/>
+      </p:ext>
+    </p:extLst>
+  </p:cSld>
+  <p:clrMapOvr>
+    <a:masterClrMapping/>
+  </p:clrMapOvr>
+</p:sld>
+</file>
+
+<file path=ppt/slides/slide11.xml><?xml version="1.0" encoding="utf-8"?>
+<p:sld xmlns:a="http://schemas.openxmlformats.org/drawingml/2006/main" xmlns:r="http://schemas.openxmlformats.org/officeDocument/2006/relationships" xmlns:p="http://schemas.openxmlformats.org/presentationml/2006/main">
+  <p:cSld>
+    <p:spTree>
+      <p:nvGrpSpPr>
+        <p:cNvPr id="1" name=""/>
+        <p:cNvGrpSpPr/>
+        <p:nvPr/>
+      </p:nvGrpSpPr>
+      <p:grpSpPr>
+        <a:xfrm>
+          <a:off x="0" y="0"/>
+          <a:ext cx="0" cy="0"/>
+          <a:chOff x="0" y="0"/>
+          <a:chExt cx="0" cy="0"/>
+        </a:xfrm>
+      </p:grpSpPr>
+      <p:sp>
+        <p:nvSpPr>
+          <p:cNvPr id="2" name="Title 1">
+            <a:extLst>
+              <a:ext uri="{FF2B5EF4-FFF2-40B4-BE49-F238E27FC236}">
+                <a16:creationId xmlns:a16="http://schemas.microsoft.com/office/drawing/2014/main" id="{E061DBB4-E904-4CFF-A4AC-1E730EA4A4FA}"/>
+              </a:ext>
+            </a:extLst>
+          </p:cNvPr>
+          <p:cNvSpPr>
+            <a:spLocks noGrp="1"/>
+          </p:cNvSpPr>
+          <p:nvPr>
+            <p:ph type="ctrTitle"/>
+          </p:nvPr>
+        </p:nvSpPr>
+        <p:spPr>
+          <a:xfrm>
+            <a:off x="-2506887" y="1782698"/>
+            <a:ext cx="7766936" cy="1646302"/>
+          </a:xfrm>
+        </p:spPr>
+        <p:txBody>
+          <a:bodyPr/>
+          <a:lstStyle/>
+          <a:p>
+            <a:r>
+              <a:rPr lang="en-US" dirty="0"/>
+              <a:t>Demo</a:t>
+            </a:r>
+          </a:p>
+        </p:txBody>
+      </p:sp>
+      <p:sp>
+        <p:nvSpPr>
+          <p:cNvPr id="3" name="Subtitle 2">
+            <a:extLst>
+              <a:ext uri="{FF2B5EF4-FFF2-40B4-BE49-F238E27FC236}">
+                <a16:creationId xmlns:a16="http://schemas.microsoft.com/office/drawing/2014/main" id="{26C59EE7-7A82-4729-A334-15E305946386}"/>
+              </a:ext>
+            </a:extLst>
+          </p:cNvPr>
+          <p:cNvSpPr>
+            <a:spLocks noGrp="1"/>
+          </p:cNvSpPr>
+          <p:nvPr>
+            <p:ph type="subTitle" idx="1"/>
+          </p:nvPr>
+        </p:nvSpPr>
+        <p:spPr>
+          <a:xfrm>
+            <a:off x="1028095" y="3876665"/>
+            <a:ext cx="6798093" cy="1096899"/>
+          </a:xfrm>
+        </p:spPr>
+        <p:txBody>
+          <a:bodyPr/>
+          <a:lstStyle/>
+          <a:p>
+            <a:r>
+              <a:rPr lang="en-US" dirty="0"/>
+              <a:t>GitHub: https://github.com/bangumi4346/p0</a:t>
+            </a:r>
+          </a:p>
+        </p:txBody>
+      </p:sp>
+    </p:spTree>
+    <p:extLst>
+      <p:ext uri="{BB962C8B-B14F-4D97-AF65-F5344CB8AC3E}">
+        <p14:creationId xmlns:p14="http://schemas.microsoft.com/office/powerpoint/2010/main" val="2348039431"/>
       </p:ext>
     </p:extLst>
   </p:cSld>
@@ -7078,6 +7300,130 @@
           <p:cNvPr id="2" name="Title 1">
             <a:extLst>
               <a:ext uri="{FF2B5EF4-FFF2-40B4-BE49-F238E27FC236}">
+                <a16:creationId xmlns:a16="http://schemas.microsoft.com/office/drawing/2014/main" id="{E061DBB4-E904-4CFF-A4AC-1E730EA4A4FA}"/>
+              </a:ext>
+            </a:extLst>
+          </p:cNvPr>
+          <p:cNvSpPr>
+            <a:spLocks noGrp="1"/>
+          </p:cNvSpPr>
+          <p:nvPr>
+            <p:ph type="ctrTitle"/>
+          </p:nvPr>
+        </p:nvSpPr>
+        <p:spPr>
+          <a:xfrm>
+            <a:off x="-495208" y="819574"/>
+            <a:ext cx="7766936" cy="1646302"/>
+          </a:xfrm>
+        </p:spPr>
+        <p:txBody>
+          <a:bodyPr/>
+          <a:lstStyle/>
+          <a:p>
+            <a:r>
+              <a:rPr lang="en-US" dirty="0" err="1"/>
+              <a:t>SalesTracker</a:t>
+            </a:r>
+            <a:endParaRPr lang="en-US" dirty="0"/>
+          </a:p>
+        </p:txBody>
+      </p:sp>
+      <p:sp>
+        <p:nvSpPr>
+          <p:cNvPr id="3" name="Subtitle 2">
+            <a:extLst>
+              <a:ext uri="{FF2B5EF4-FFF2-40B4-BE49-F238E27FC236}">
+                <a16:creationId xmlns:a16="http://schemas.microsoft.com/office/drawing/2014/main" id="{26C59EE7-7A82-4729-A334-15E305946386}"/>
+              </a:ext>
+            </a:extLst>
+          </p:cNvPr>
+          <p:cNvSpPr>
+            <a:spLocks noGrp="1"/>
+          </p:cNvSpPr>
+          <p:nvPr>
+            <p:ph type="subTitle" idx="1"/>
+          </p:nvPr>
+        </p:nvSpPr>
+        <p:spPr>
+          <a:xfrm>
+            <a:off x="1028095" y="3876665"/>
+            <a:ext cx="7766936" cy="1096899"/>
+          </a:xfrm>
+        </p:spPr>
+        <p:txBody>
+          <a:bodyPr/>
+          <a:lstStyle/>
+          <a:p>
+            <a:endParaRPr lang="en-US" dirty="0"/>
+          </a:p>
+        </p:txBody>
+      </p:sp>
+      <p:pic>
+        <p:nvPicPr>
+          <p:cNvPr id="4" name="Picture 3">
+            <a:extLst>
+              <a:ext uri="{FF2B5EF4-FFF2-40B4-BE49-F238E27FC236}">
+                <a16:creationId xmlns:a16="http://schemas.microsoft.com/office/drawing/2014/main" id="{059F59B7-7EA7-4938-9619-391DB52E11B7}"/>
+              </a:ext>
+            </a:extLst>
+          </p:cNvPr>
+          <p:cNvPicPr>
+            <a:picLocks noChangeAspect="1"/>
+          </p:cNvPicPr>
+          <p:nvPr/>
+        </p:nvPicPr>
+        <p:blipFill>
+          <a:blip r:embed="rId2"/>
+          <a:stretch>
+            <a:fillRect/>
+          </a:stretch>
+        </p:blipFill>
+        <p:spPr>
+          <a:xfrm>
+            <a:off x="2806951" y="2834961"/>
+            <a:ext cx="5183715" cy="2083407"/>
+          </a:xfrm>
+          <a:prstGeom prst="rect">
+            <a:avLst/>
+          </a:prstGeom>
+        </p:spPr>
+      </p:pic>
+    </p:spTree>
+    <p:extLst>
+      <p:ext uri="{BB962C8B-B14F-4D97-AF65-F5344CB8AC3E}">
+        <p14:creationId xmlns:p14="http://schemas.microsoft.com/office/powerpoint/2010/main" val="1876928074"/>
+      </p:ext>
+    </p:extLst>
+  </p:cSld>
+  <p:clrMapOvr>
+    <a:masterClrMapping/>
+  </p:clrMapOvr>
+</p:sld>
+</file>
+
+<file path=ppt/slides/slide5.xml><?xml version="1.0" encoding="utf-8"?>
+<p:sld xmlns:a="http://schemas.openxmlformats.org/drawingml/2006/main" xmlns:r="http://schemas.openxmlformats.org/officeDocument/2006/relationships" xmlns:p="http://schemas.openxmlformats.org/presentationml/2006/main">
+  <p:cSld>
+    <p:spTree>
+      <p:nvGrpSpPr>
+        <p:cNvPr id="1" name=""/>
+        <p:cNvGrpSpPr/>
+        <p:nvPr/>
+      </p:nvGrpSpPr>
+      <p:grpSpPr>
+        <a:xfrm>
+          <a:off x="0" y="0"/>
+          <a:ext cx="0" cy="0"/>
+          <a:chOff x="0" y="0"/>
+          <a:chExt cx="0" cy="0"/>
+        </a:xfrm>
+      </p:grpSpPr>
+      <p:sp>
+        <p:nvSpPr>
+          <p:cNvPr id="2" name="Title 1">
+            <a:extLst>
+              <a:ext uri="{FF2B5EF4-FFF2-40B4-BE49-F238E27FC236}">
                 <a16:creationId xmlns:a16="http://schemas.microsoft.com/office/drawing/2014/main" id="{8D64D339-5F67-4ECF-B57A-F673535AD406}"/>
               </a:ext>
             </a:extLst>
@@ -7170,7 +7516,7 @@
 </p:sld>
 </file>
 
-<file path=ppt/slides/slide5.xml><?xml version="1.0" encoding="utf-8"?>
+<file path=ppt/slides/slide6.xml><?xml version="1.0" encoding="utf-8"?>
 <p:sld xmlns:a="http://schemas.openxmlformats.org/drawingml/2006/main" xmlns:r="http://schemas.openxmlformats.org/officeDocument/2006/relationships" xmlns:p="http://schemas.openxmlformats.org/presentationml/2006/main">
   <p:cSld>
     <p:spTree>
@@ -7265,179 +7611,6 @@
 </p:sld>
 </file>
 
-<file path=ppt/slides/slide6.xml><?xml version="1.0" encoding="utf-8"?>
-<p:sld xmlns:a="http://schemas.openxmlformats.org/drawingml/2006/main" xmlns:r="http://schemas.openxmlformats.org/officeDocument/2006/relationships" xmlns:p="http://schemas.openxmlformats.org/presentationml/2006/main">
-  <p:cSld>
-    <p:spTree>
-      <p:nvGrpSpPr>
-        <p:cNvPr id="1" name=""/>
-        <p:cNvGrpSpPr/>
-        <p:nvPr/>
-      </p:nvGrpSpPr>
-      <p:grpSpPr>
-        <a:xfrm>
-          <a:off x="0" y="0"/>
-          <a:ext cx="0" cy="0"/>
-          <a:chOff x="0" y="0"/>
-          <a:chExt cx="0" cy="0"/>
-        </a:xfrm>
-      </p:grpSpPr>
-      <p:sp>
-        <p:nvSpPr>
-          <p:cNvPr id="2" name="Title 1">
-            <a:extLst>
-              <a:ext uri="{FF2B5EF4-FFF2-40B4-BE49-F238E27FC236}">
-                <a16:creationId xmlns:a16="http://schemas.microsoft.com/office/drawing/2014/main" id="{EE4292CF-0383-450D-8745-307A12652823}"/>
-              </a:ext>
-            </a:extLst>
-          </p:cNvPr>
-          <p:cNvSpPr>
-            <a:spLocks noGrp="1"/>
-          </p:cNvSpPr>
-          <p:nvPr>
-            <p:ph type="title"/>
-          </p:nvPr>
-        </p:nvSpPr>
-        <p:spPr/>
-        <p:txBody>
-          <a:bodyPr/>
-          <a:lstStyle/>
-          <a:p>
-            <a:r>
-              <a:rPr lang="en-US" dirty="0"/>
-              <a:t>GUI - Table</a:t>
-            </a:r>
-          </a:p>
-        </p:txBody>
-      </p:sp>
-      <p:sp>
-        <p:nvSpPr>
-          <p:cNvPr id="7" name="Content Placeholder 6">
-            <a:extLst>
-              <a:ext uri="{FF2B5EF4-FFF2-40B4-BE49-F238E27FC236}">
-                <a16:creationId xmlns:a16="http://schemas.microsoft.com/office/drawing/2014/main" id="{C286E3D8-E520-4F96-A265-A93CD76A89C1}"/>
-              </a:ext>
-            </a:extLst>
-          </p:cNvPr>
-          <p:cNvSpPr>
-            <a:spLocks noGrp="1"/>
-          </p:cNvSpPr>
-          <p:nvPr>
-            <p:ph idx="1"/>
-          </p:nvPr>
-        </p:nvSpPr>
-        <p:spPr>
-          <a:xfrm>
-            <a:off x="5201586" y="1930400"/>
-            <a:ext cx="4297268" cy="3880773"/>
-          </a:xfrm>
-        </p:spPr>
-        <p:txBody>
-          <a:bodyPr/>
-          <a:lstStyle/>
-          <a:p>
-            <a:r>
-              <a:rPr lang="en-US" dirty="0"/>
-              <a:t>Libraries:</a:t>
-            </a:r>
-          </a:p>
-          <a:p>
-            <a:pPr lvl="1"/>
-            <a:r>
-              <a:rPr lang="en-US" dirty="0" err="1"/>
-              <a:t>scala.swing</a:t>
-            </a:r>
-            <a:r>
-              <a:rPr lang="en-US" dirty="0"/>
-              <a:t>._</a:t>
-            </a:r>
-          </a:p>
-          <a:p>
-            <a:pPr lvl="1"/>
-            <a:r>
-              <a:rPr lang="en-US" dirty="0" err="1"/>
-              <a:t>javax.swing.ImageIcon</a:t>
-            </a:r>
-            <a:endParaRPr lang="en-US" dirty="0"/>
-          </a:p>
-          <a:p>
-            <a:pPr lvl="1"/>
-            <a:r>
-              <a:rPr lang="en-US" dirty="0"/>
-              <a:t>java.io._</a:t>
-            </a:r>
-          </a:p>
-          <a:p>
-            <a:pPr lvl="1"/>
-            <a:r>
-              <a:rPr lang="en-US" dirty="0" err="1"/>
-              <a:t>scala.io.Source</a:t>
-            </a:r>
-            <a:endParaRPr lang="en-US" dirty="0"/>
-          </a:p>
-          <a:p>
-            <a:pPr lvl="1"/>
-            <a:r>
-              <a:rPr lang="en-US" dirty="0"/>
-              <a:t>event._</a:t>
-            </a:r>
-          </a:p>
-          <a:p>
-            <a:pPr lvl="1"/>
-            <a:r>
-              <a:rPr lang="en-US" dirty="0" err="1"/>
-              <a:t>scala.util.control.Breaks</a:t>
-            </a:r>
-            <a:r>
-              <a:rPr lang="en-US" dirty="0"/>
-              <a:t>._</a:t>
-            </a:r>
-          </a:p>
-        </p:txBody>
-      </p:sp>
-      <p:pic>
-        <p:nvPicPr>
-          <p:cNvPr id="9" name="Picture 8">
-            <a:extLst>
-              <a:ext uri="{FF2B5EF4-FFF2-40B4-BE49-F238E27FC236}">
-                <a16:creationId xmlns:a16="http://schemas.microsoft.com/office/drawing/2014/main" id="{B602CD0F-F3B3-4E7A-AAE1-E38A39A44CF3}"/>
-              </a:ext>
-            </a:extLst>
-          </p:cNvPr>
-          <p:cNvPicPr>
-            <a:picLocks noChangeAspect="1"/>
-          </p:cNvPicPr>
-          <p:nvPr/>
-        </p:nvPicPr>
-        <p:blipFill>
-          <a:blip r:embed="rId2"/>
-          <a:stretch>
-            <a:fillRect/>
-          </a:stretch>
-        </p:blipFill>
-        <p:spPr>
-          <a:xfrm>
-            <a:off x="677334" y="1930400"/>
-            <a:ext cx="4057922" cy="3025186"/>
-          </a:xfrm>
-          <a:prstGeom prst="rect">
-            <a:avLst/>
-          </a:prstGeom>
-        </p:spPr>
-      </p:pic>
-    </p:spTree>
-    <p:extLst>
-      <p:ext uri="{BB962C8B-B14F-4D97-AF65-F5344CB8AC3E}">
-        <p14:creationId xmlns:p14="http://schemas.microsoft.com/office/powerpoint/2010/main" val="2880415209"/>
-      </p:ext>
-    </p:extLst>
-  </p:cSld>
-  <p:clrMapOvr>
-    <a:masterClrMapping/>
-  </p:clrMapOvr>
-</p:sld>
-</file>
-
 <file path=ppt/slides/slide7.xml><?xml version="1.0" encoding="utf-8"?>
 <p:sld xmlns:a="http://schemas.openxmlformats.org/drawingml/2006/main" xmlns:r="http://schemas.openxmlformats.org/officeDocument/2006/relationships" xmlns:p="http://schemas.openxmlformats.org/presentationml/2006/main">
   <p:cSld>
@@ -7460,7 +7633,7 @@
           <p:cNvPr id="2" name="Title 1">
             <a:extLst>
               <a:ext uri="{FF2B5EF4-FFF2-40B4-BE49-F238E27FC236}">
-                <a16:creationId xmlns:a16="http://schemas.microsoft.com/office/drawing/2014/main" id="{A0F65B06-5E22-4DBC-8BE1-0938C7D499E7}"/>
+                <a16:creationId xmlns:a16="http://schemas.microsoft.com/office/drawing/2014/main" id="{E061DBB4-E904-4CFF-A4AC-1E730EA4A4FA}"/>
               </a:ext>
             </a:extLst>
           </p:cNvPr>
@@ -7468,54 +7641,94 @@
             <a:spLocks noGrp="1"/>
           </p:cNvSpPr>
           <p:nvPr>
-            <p:ph type="title"/>
-          </p:nvPr>
-        </p:nvSpPr>
-        <p:spPr/>
+            <p:ph type="ctrTitle"/>
+          </p:nvPr>
+        </p:nvSpPr>
+        <p:spPr>
+          <a:xfrm>
+            <a:off x="-1056911" y="667807"/>
+            <a:ext cx="10383791" cy="1646302"/>
+          </a:xfrm>
+        </p:spPr>
         <p:txBody>
           <a:bodyPr/>
           <a:lstStyle/>
           <a:p>
             <a:r>
+              <a:rPr lang="en-US" dirty="0" err="1"/>
+              <a:t>Graphyical</a:t>
+            </a:r>
+            <a:r>
               <a:rPr lang="en-US" dirty="0"/>
-              <a:t>GUI - Buttons</a:t>
-            </a:r>
+              <a:t> User Interface</a:t>
+            </a:r>
+          </a:p>
+        </p:txBody>
+      </p:sp>
+      <p:sp>
+        <p:nvSpPr>
+          <p:cNvPr id="3" name="Subtitle 2">
+            <a:extLst>
+              <a:ext uri="{FF2B5EF4-FFF2-40B4-BE49-F238E27FC236}">
+                <a16:creationId xmlns:a16="http://schemas.microsoft.com/office/drawing/2014/main" id="{26C59EE7-7A82-4729-A334-15E305946386}"/>
+              </a:ext>
+            </a:extLst>
+          </p:cNvPr>
+          <p:cNvSpPr>
+            <a:spLocks noGrp="1"/>
+          </p:cNvSpPr>
+          <p:nvPr>
+            <p:ph type="subTitle" idx="1"/>
+          </p:nvPr>
+        </p:nvSpPr>
+        <p:spPr>
+          <a:xfrm>
+            <a:off x="1028095" y="3876665"/>
+            <a:ext cx="7766936" cy="1096899"/>
+          </a:xfrm>
+        </p:spPr>
+        <p:txBody>
+          <a:bodyPr/>
+          <a:lstStyle/>
+          <a:p>
+            <a:endParaRPr lang="en-US" dirty="0"/>
           </a:p>
         </p:txBody>
       </p:sp>
       <p:pic>
         <p:nvPicPr>
-          <p:cNvPr id="5" name="Content Placeholder 4">
+          <p:cNvPr id="5" name="Picture 4">
             <a:extLst>
               <a:ext uri="{FF2B5EF4-FFF2-40B4-BE49-F238E27FC236}">
-                <a16:creationId xmlns:a16="http://schemas.microsoft.com/office/drawing/2014/main" id="{25F6EF03-3C1C-482C-AB95-F3822ACD1DC9}"/>
+                <a16:creationId xmlns:a16="http://schemas.microsoft.com/office/drawing/2014/main" id="{C7C7CCB9-720D-45C5-9221-AA21BD51D6C2}"/>
               </a:ext>
             </a:extLst>
           </p:cNvPr>
           <p:cNvPicPr>
-            <a:picLocks noGrp="1" noChangeAspect="1"/>
+            <a:picLocks noChangeAspect="1"/>
           </p:cNvPicPr>
-          <p:nvPr>
-            <p:ph idx="1"/>
-          </p:nvPr>
+          <p:nvPr/>
         </p:nvPicPr>
         <p:blipFill>
-          <a:blip r:embed="rId3"/>
+          <a:blip r:embed="rId2"/>
           <a:stretch>
             <a:fillRect/>
           </a:stretch>
         </p:blipFill>
         <p:spPr>
           <a:xfrm>
-            <a:off x="677334" y="1930400"/>
-            <a:ext cx="9795894" cy="3518422"/>
+            <a:off x="3044663" y="2314109"/>
+            <a:ext cx="3733800" cy="3095625"/>
           </a:xfrm>
+          <a:prstGeom prst="rect">
+            <a:avLst/>
+          </a:prstGeom>
         </p:spPr>
       </p:pic>
     </p:spTree>
     <p:extLst>
       <p:ext uri="{BB962C8B-B14F-4D97-AF65-F5344CB8AC3E}">
-        <p14:creationId xmlns:p14="http://schemas.microsoft.com/office/powerpoint/2010/main" val="182255613"/>
+        <p14:creationId xmlns:p14="http://schemas.microsoft.com/office/powerpoint/2010/main" val="1392502852"/>
       </p:ext>
     </p:extLst>
   </p:cSld>
@@ -7547,7 +7760,7 @@
           <p:cNvPr id="2" name="Title 1">
             <a:extLst>
               <a:ext uri="{FF2B5EF4-FFF2-40B4-BE49-F238E27FC236}">
-                <a16:creationId xmlns:a16="http://schemas.microsoft.com/office/drawing/2014/main" id="{685C9BF2-F1A3-4116-8749-0DE9D9D26CB1}"/>
+                <a16:creationId xmlns:a16="http://schemas.microsoft.com/office/drawing/2014/main" id="{EE4292CF-0383-450D-8745-307A12652823}"/>
               </a:ext>
             </a:extLst>
           </p:cNvPr>
@@ -7565,11 +7778,7 @@
           <a:p>
             <a:r>
               <a:rPr lang="en-US" dirty="0"/>
-              <a:t>GUI – Buttons </a:t>
-            </a:r>
-            <a:r>
-              <a:rPr lang="en-US" i="1" dirty="0"/>
-              <a:t>cont.</a:t>
+              <a:t>GUI - Table</a:t>
             </a:r>
           </a:p>
         </p:txBody>
@@ -7579,7 +7788,7 @@
           <p:cNvPr id="7" name="Content Placeholder 6">
             <a:extLst>
               <a:ext uri="{FF2B5EF4-FFF2-40B4-BE49-F238E27FC236}">
-                <a16:creationId xmlns:a16="http://schemas.microsoft.com/office/drawing/2014/main" id="{09843A87-E343-49D2-900D-79E860391DC9}"/>
+                <a16:creationId xmlns:a16="http://schemas.microsoft.com/office/drawing/2014/main" id="{C286E3D8-E520-4F96-A265-A93CD76A89C1}"/>
               </a:ext>
             </a:extLst>
           </p:cNvPr>
@@ -7590,12 +7799,17 @@
             <p:ph idx="1"/>
           </p:nvPr>
         </p:nvSpPr>
-        <p:spPr/>
+        <p:spPr>
+          <a:xfrm>
+            <a:off x="5201586" y="1930400"/>
+            <a:ext cx="4297268" cy="3880773"/>
+          </a:xfrm>
+        </p:spPr>
         <p:txBody>
           <a:bodyPr/>
           <a:lstStyle/>
           <a:p>
-            <a:endParaRPr lang="en-US"/>
+            <a:endParaRPr lang="en-US" dirty="0"/>
           </a:p>
         </p:txBody>
       </p:sp>
@@ -7604,7 +7818,7 @@
           <p:cNvPr id="9" name="Picture 8">
             <a:extLst>
               <a:ext uri="{FF2B5EF4-FFF2-40B4-BE49-F238E27FC236}">
-                <a16:creationId xmlns:a16="http://schemas.microsoft.com/office/drawing/2014/main" id="{4D593EB3-5147-41D5-B159-E1592A0B111C}"/>
+                <a16:creationId xmlns:a16="http://schemas.microsoft.com/office/drawing/2014/main" id="{B602CD0F-F3B3-4E7A-AAE1-E38A39A44CF3}"/>
               </a:ext>
             </a:extLst>
           </p:cNvPr>
@@ -7621,8 +7835,8 @@
         </p:blipFill>
         <p:spPr>
           <a:xfrm>
-            <a:off x="677334" y="1737819"/>
-            <a:ext cx="8932966" cy="4510581"/>
+            <a:off x="2449104" y="1825896"/>
+            <a:ext cx="5053128" cy="3767113"/>
           </a:xfrm>
           <a:prstGeom prst="rect">
             <a:avLst/>
@@ -7632,7 +7846,7 @@
     </p:spTree>
     <p:extLst>
       <p:ext uri="{BB962C8B-B14F-4D97-AF65-F5344CB8AC3E}">
-        <p14:creationId xmlns:p14="http://schemas.microsoft.com/office/powerpoint/2010/main" val="1824051388"/>
+        <p14:creationId xmlns:p14="http://schemas.microsoft.com/office/powerpoint/2010/main" val="2880415209"/>
       </p:ext>
     </p:extLst>
   </p:cSld>
@@ -7664,7 +7878,7 @@
           <p:cNvPr id="2" name="Title 1">
             <a:extLst>
               <a:ext uri="{FF2B5EF4-FFF2-40B4-BE49-F238E27FC236}">
-                <a16:creationId xmlns:a16="http://schemas.microsoft.com/office/drawing/2014/main" id="{E061DBB4-E904-4CFF-A4AC-1E730EA4A4FA}"/>
+                <a16:creationId xmlns:a16="http://schemas.microsoft.com/office/drawing/2014/main" id="{A0F65B06-5E22-4DBC-8BE1-0938C7D499E7}"/>
               </a:ext>
             </a:extLst>
           </p:cNvPr>
@@ -7672,63 +7886,54 @@
             <a:spLocks noGrp="1"/>
           </p:cNvSpPr>
           <p:nvPr>
-            <p:ph type="ctrTitle"/>
-          </p:nvPr>
-        </p:nvSpPr>
-        <p:spPr>
-          <a:xfrm>
-            <a:off x="-965471" y="2230363"/>
-            <a:ext cx="7766936" cy="1646302"/>
-          </a:xfrm>
-        </p:spPr>
+            <p:ph type="title"/>
+          </p:nvPr>
+        </p:nvSpPr>
+        <p:spPr/>
         <p:txBody>
           <a:bodyPr/>
           <a:lstStyle/>
           <a:p>
             <a:r>
               <a:rPr lang="en-US" dirty="0"/>
-              <a:t>DEMO</a:t>
-            </a:r>
-          </a:p>
-        </p:txBody>
-      </p:sp>
-      <p:sp>
-        <p:nvSpPr>
-          <p:cNvPr id="3" name="Subtitle 2">
+              <a:t>GUI - Buttons</a:t>
+            </a:r>
+          </a:p>
+        </p:txBody>
+      </p:sp>
+      <p:pic>
+        <p:nvPicPr>
+          <p:cNvPr id="5" name="Content Placeholder 4">
             <a:extLst>
               <a:ext uri="{FF2B5EF4-FFF2-40B4-BE49-F238E27FC236}">
-                <a16:creationId xmlns:a16="http://schemas.microsoft.com/office/drawing/2014/main" id="{26C59EE7-7A82-4729-A334-15E305946386}"/>
+                <a16:creationId xmlns:a16="http://schemas.microsoft.com/office/drawing/2014/main" id="{25F6EF03-3C1C-482C-AB95-F3822ACD1DC9}"/>
               </a:ext>
             </a:extLst>
           </p:cNvPr>
-          <p:cNvSpPr>
-            <a:spLocks noGrp="1"/>
-          </p:cNvSpPr>
-          <p:nvPr>
-            <p:ph type="subTitle" idx="1"/>
-          </p:nvPr>
-        </p:nvSpPr>
+          <p:cNvPicPr>
+            <a:picLocks noGrp="1" noChangeAspect="1"/>
+          </p:cNvPicPr>
+          <p:nvPr>
+            <p:ph idx="1"/>
+          </p:nvPr>
+        </p:nvPicPr>
+        <p:blipFill>
+          <a:blip r:embed="rId3"/>
+          <a:stretch>
+            <a:fillRect/>
+          </a:stretch>
+        </p:blipFill>
         <p:spPr>
           <a:xfrm>
-            <a:off x="1028095" y="3876665"/>
-            <a:ext cx="7766936" cy="1096899"/>
+            <a:off x="677334" y="1930400"/>
+            <a:ext cx="9795894" cy="3518422"/>
           </a:xfrm>
         </p:spPr>
-        <p:txBody>
-          <a:bodyPr/>
-          <a:lstStyle/>
-          <a:p>
-            <a:r>
-              <a:rPr lang="en-US" dirty="0"/>
-              <a:t>GitHub Link: https://github.com/bangumi4346/p0</a:t>
-            </a:r>
-          </a:p>
-        </p:txBody>
-      </p:sp>
+      </p:pic>
     </p:spTree>
     <p:extLst>
       <p:ext uri="{BB962C8B-B14F-4D97-AF65-F5344CB8AC3E}">
-        <p14:creationId xmlns:p14="http://schemas.microsoft.com/office/powerpoint/2010/main" val="1876928074"/>
+        <p14:creationId xmlns:p14="http://schemas.microsoft.com/office/powerpoint/2010/main" val="182255613"/>
       </p:ext>
     </p:extLst>
   </p:cSld>

--- a/presentation.pptx
+++ b/presentation.pptx
@@ -207,7 +207,7 @@
           <a:p>
             <a:fld id="{283C7FC7-DFBA-4CCB-924A-88FBCFBF37EC}" type="datetimeFigureOut">
               <a:rPr lang="en-US" smtClean="0"/>
-              <a:t>7/21/2021</a:t>
+              <a:t>7/22/2021</a:t>
             </a:fld>
             <a:endParaRPr lang="en-US"/>
           </a:p>
@@ -1303,7 +1303,7 @@
           <a:p>
             <a:fld id="{AA867B02-A04D-4072-AFC1-572939EA8FEC}" type="datetimeFigureOut">
               <a:rPr lang="en-US" smtClean="0"/>
-              <a:t>7/21/2021</a:t>
+              <a:t>7/22/2021</a:t>
             </a:fld>
             <a:endParaRPr lang="en-US"/>
           </a:p>
@@ -1554,7 +1554,7 @@
           <a:p>
             <a:fld id="{AA867B02-A04D-4072-AFC1-572939EA8FEC}" type="datetimeFigureOut">
               <a:rPr lang="en-US" smtClean="0"/>
-              <a:t>7/21/2021</a:t>
+              <a:t>7/22/2021</a:t>
             </a:fld>
             <a:endParaRPr lang="en-US"/>
           </a:p>
@@ -1868,7 +1868,7 @@
           <a:p>
             <a:fld id="{AA867B02-A04D-4072-AFC1-572939EA8FEC}" type="datetimeFigureOut">
               <a:rPr lang="en-US" smtClean="0"/>
-              <a:t>7/21/2021</a:t>
+              <a:t>7/22/2021</a:t>
             </a:fld>
             <a:endParaRPr lang="en-US"/>
           </a:p>
@@ -2201,7 +2201,7 @@
           <a:p>
             <a:fld id="{AA867B02-A04D-4072-AFC1-572939EA8FEC}" type="datetimeFigureOut">
               <a:rPr lang="en-US" smtClean="0"/>
-              <a:t>7/21/2021</a:t>
+              <a:t>7/22/2021</a:t>
             </a:fld>
             <a:endParaRPr lang="en-US"/>
           </a:p>
@@ -2515,7 +2515,7 @@
           <a:p>
             <a:fld id="{AA867B02-A04D-4072-AFC1-572939EA8FEC}" type="datetimeFigureOut">
               <a:rPr lang="en-US" smtClean="0"/>
-              <a:t>7/21/2021</a:t>
+              <a:t>7/22/2021</a:t>
             </a:fld>
             <a:endParaRPr lang="en-US"/>
           </a:p>
@@ -2908,7 +2908,7 @@
           <a:p>
             <a:fld id="{AA867B02-A04D-4072-AFC1-572939EA8FEC}" type="datetimeFigureOut">
               <a:rPr lang="en-US" smtClean="0"/>
-              <a:t>7/21/2021</a:t>
+              <a:t>7/22/2021</a:t>
             </a:fld>
             <a:endParaRPr lang="en-US"/>
           </a:p>
@@ -3078,7 +3078,7 @@
           <a:p>
             <a:fld id="{AA867B02-A04D-4072-AFC1-572939EA8FEC}" type="datetimeFigureOut">
               <a:rPr lang="en-US" smtClean="0"/>
-              <a:t>7/21/2021</a:t>
+              <a:t>7/22/2021</a:t>
             </a:fld>
             <a:endParaRPr lang="en-US"/>
           </a:p>
@@ -3258,7 +3258,7 @@
           <a:p>
             <a:fld id="{AA867B02-A04D-4072-AFC1-572939EA8FEC}" type="datetimeFigureOut">
               <a:rPr lang="en-US" smtClean="0"/>
-              <a:t>7/21/2021</a:t>
+              <a:t>7/22/2021</a:t>
             </a:fld>
             <a:endParaRPr lang="en-US"/>
           </a:p>
@@ -3428,7 +3428,7 @@
           <a:p>
             <a:fld id="{AA867B02-A04D-4072-AFC1-572939EA8FEC}" type="datetimeFigureOut">
               <a:rPr lang="en-US" smtClean="0"/>
-              <a:t>7/21/2021</a:t>
+              <a:t>7/22/2021</a:t>
             </a:fld>
             <a:endParaRPr lang="en-US"/>
           </a:p>
@@ -3675,7 +3675,7 @@
           <a:p>
             <a:fld id="{AA867B02-A04D-4072-AFC1-572939EA8FEC}" type="datetimeFigureOut">
               <a:rPr lang="en-US" smtClean="0"/>
-              <a:t>7/21/2021</a:t>
+              <a:t>7/22/2021</a:t>
             </a:fld>
             <a:endParaRPr lang="en-US"/>
           </a:p>
@@ -3907,7 +3907,7 @@
           <a:p>
             <a:fld id="{AA867B02-A04D-4072-AFC1-572939EA8FEC}" type="datetimeFigureOut">
               <a:rPr lang="en-US" smtClean="0"/>
-              <a:t>7/21/2021</a:t>
+              <a:t>7/22/2021</a:t>
             </a:fld>
             <a:endParaRPr lang="en-US"/>
           </a:p>
@@ -4281,7 +4281,7 @@
           <a:p>
             <a:fld id="{AA867B02-A04D-4072-AFC1-572939EA8FEC}" type="datetimeFigureOut">
               <a:rPr lang="en-US" smtClean="0"/>
-              <a:t>7/21/2021</a:t>
+              <a:t>7/22/2021</a:t>
             </a:fld>
             <a:endParaRPr lang="en-US"/>
           </a:p>
@@ -4404,7 +4404,7 @@
           <a:p>
             <a:fld id="{AA867B02-A04D-4072-AFC1-572939EA8FEC}" type="datetimeFigureOut">
               <a:rPr lang="en-US" smtClean="0"/>
-              <a:t>7/21/2021</a:t>
+              <a:t>7/22/2021</a:t>
             </a:fld>
             <a:endParaRPr lang="en-US"/>
           </a:p>
@@ -4499,7 +4499,7 @@
           <a:p>
             <a:fld id="{AA867B02-A04D-4072-AFC1-572939EA8FEC}" type="datetimeFigureOut">
               <a:rPr lang="en-US" smtClean="0"/>
-              <a:t>7/21/2021</a:t>
+              <a:t>7/22/2021</a:t>
             </a:fld>
             <a:endParaRPr lang="en-US"/>
           </a:p>
@@ -4754,7 +4754,7 @@
           <a:p>
             <a:fld id="{AA867B02-A04D-4072-AFC1-572939EA8FEC}" type="datetimeFigureOut">
               <a:rPr lang="en-US" smtClean="0"/>
-              <a:t>7/21/2021</a:t>
+              <a:t>7/22/2021</a:t>
             </a:fld>
             <a:endParaRPr lang="en-US"/>
           </a:p>
@@ -5059,7 +5059,7 @@
           <a:p>
             <a:fld id="{AA867B02-A04D-4072-AFC1-572939EA8FEC}" type="datetimeFigureOut">
               <a:rPr lang="en-US" smtClean="0"/>
-              <a:t>7/21/2021</a:t>
+              <a:t>7/22/2021</a:t>
             </a:fld>
             <a:endParaRPr lang="en-US"/>
           </a:p>
@@ -5761,7 +5761,7 @@
           <a:p>
             <a:fld id="{AA867B02-A04D-4072-AFC1-572939EA8FEC}" type="datetimeFigureOut">
               <a:rPr lang="en-US" smtClean="0"/>
-              <a:t>7/21/2021</a:t>
+              <a:t>7/22/2021</a:t>
             </a:fld>
             <a:endParaRPr lang="en-US"/>
           </a:p>
@@ -6615,7 +6615,7 @@
           <a:p>
             <a:r>
               <a:rPr lang="en-US" dirty="0"/>
-              <a:t>Purpose</a:t>
+              <a:t>Summary</a:t>
             </a:r>
           </a:p>
         </p:txBody>
@@ -6636,9 +6636,16 @@
             <p:ph idx="1"/>
           </p:nvPr>
         </p:nvSpPr>
-        <p:spPr/>
-        <p:txBody>
-          <a:bodyPr/>
+        <p:spPr>
+          <a:xfrm>
+            <a:off x="677334" y="1554481"/>
+            <a:ext cx="8596668" cy="4486882"/>
+          </a:xfrm>
+        </p:spPr>
+        <p:txBody>
+          <a:bodyPr>
+            <a:normAutofit fontScale="92500" lnSpcReduction="10000"/>
+          </a:bodyPr>
           <a:lstStyle/>
           <a:p>
             <a:pPr marL="0" indent="0">
@@ -6647,12 +6654,6 @@
             <a:endParaRPr lang="en-US" dirty="0"/>
           </a:p>
           <a:p>
-            <a:pPr marL="0" indent="0">
-              <a:buNone/>
-            </a:pPr>
-            <a:endParaRPr lang="en-US" dirty="0"/>
-          </a:p>
-          <a:p>
             <a:r>
               <a:rPr lang="en-US" dirty="0"/>
               <a:t>Keep tracks of:</a:t>
@@ -6685,6 +6686,52 @@
               <a:rPr lang="en-US" dirty="0"/>
               <a:t>Amount of each items are in storage</a:t>
             </a:r>
+          </a:p>
+          <a:p>
+            <a:pPr lvl="1"/>
+            <a:endParaRPr lang="en-US" dirty="0"/>
+          </a:p>
+          <a:p>
+            <a:r>
+              <a:rPr lang="en-US" dirty="0"/>
+              <a:t>Technology:</a:t>
+            </a:r>
+          </a:p>
+          <a:p>
+            <a:pPr lvl="1"/>
+            <a:r>
+              <a:rPr lang="en-US" dirty="0"/>
+              <a:t>Scala/Java Libraries</a:t>
+            </a:r>
+          </a:p>
+          <a:p>
+            <a:pPr lvl="2"/>
+            <a:r>
+              <a:rPr lang="en-US" dirty="0"/>
+              <a:t>I/O</a:t>
+            </a:r>
+          </a:p>
+          <a:p>
+            <a:pPr lvl="2"/>
+            <a:r>
+              <a:rPr lang="en-US" dirty="0"/>
+              <a:t>Swing</a:t>
+            </a:r>
+          </a:p>
+          <a:p>
+            <a:pPr lvl="1"/>
+            <a:r>
+              <a:rPr lang="en-US" dirty="0"/>
+              <a:t>SBT</a:t>
+            </a:r>
+          </a:p>
+          <a:p>
+            <a:pPr lvl="1"/>
+            <a:r>
+              <a:rPr lang="en-US"/>
+              <a:t>GitHub version control</a:t>
+            </a:r>
+            <a:endParaRPr lang="en-US" dirty="0"/>
           </a:p>
         </p:txBody>
       </p:sp>
